--- a/demos/Lecture01_Intro_Programming/Lecture1_intro_programming.pptx
+++ b/demos/Lecture01_Intro_Programming/Lecture1_intro_programming.pptx
@@ -12,6 +12,7 @@
     <p:sldId id="259" r:id="rId6"/>
     <p:sldId id="261" r:id="rId7"/>
     <p:sldId id="262" r:id="rId8"/>
+    <p:sldId id="263" r:id="rId9"/>
   </p:sldIdLst>
   <p:sldSz cx="12192000" cy="6858000"/>
   <p:notesSz cx="6858000" cy="9144000"/>
@@ -110,6 +111,11 @@
       </a:defRPr>
     </a:lvl9pPr>
   </p:defaultTextStyle>
+  <p:extLst>
+    <p:ext uri="{EFAFB233-063F-42B5-8137-9DF3F51BA10A}">
+      <p15:sldGuideLst xmlns:p15="http://schemas.microsoft.com/office/powerpoint/2012/main"/>
+    </p:ext>
+  </p:extLst>
 </p:presentation>
 </file>
 
@@ -260,7 +266,7 @@
           <a:p>
             <a:fld id="{F10A4FB2-CBF3-7842-906F-B81F8993C7B2}" type="datetimeFigureOut">
               <a:rPr lang="en-US" smtClean="0"/>
-              <a:t>1/8/20</a:t>
+              <a:t>1/9/20</a:t>
             </a:fld>
             <a:endParaRPr lang="en-US"/>
           </a:p>
@@ -458,7 +464,7 @@
           <a:p>
             <a:fld id="{F10A4FB2-CBF3-7842-906F-B81F8993C7B2}" type="datetimeFigureOut">
               <a:rPr lang="en-US" smtClean="0"/>
-              <a:t>1/8/20</a:t>
+              <a:t>1/9/20</a:t>
             </a:fld>
             <a:endParaRPr lang="en-US"/>
           </a:p>
@@ -666,7 +672,7 @@
           <a:p>
             <a:fld id="{F10A4FB2-CBF3-7842-906F-B81F8993C7B2}" type="datetimeFigureOut">
               <a:rPr lang="en-US" smtClean="0"/>
-              <a:t>1/8/20</a:t>
+              <a:t>1/9/20</a:t>
             </a:fld>
             <a:endParaRPr lang="en-US"/>
           </a:p>
@@ -864,7 +870,7 @@
           <a:p>
             <a:fld id="{F10A4FB2-CBF3-7842-906F-B81F8993C7B2}" type="datetimeFigureOut">
               <a:rPr lang="en-US" smtClean="0"/>
-              <a:t>1/8/20</a:t>
+              <a:t>1/9/20</a:t>
             </a:fld>
             <a:endParaRPr lang="en-US"/>
           </a:p>
@@ -1139,7 +1145,7 @@
           <a:p>
             <a:fld id="{F10A4FB2-CBF3-7842-906F-B81F8993C7B2}" type="datetimeFigureOut">
               <a:rPr lang="en-US" smtClean="0"/>
-              <a:t>1/8/20</a:t>
+              <a:t>1/9/20</a:t>
             </a:fld>
             <a:endParaRPr lang="en-US"/>
           </a:p>
@@ -1404,7 +1410,7 @@
           <a:p>
             <a:fld id="{F10A4FB2-CBF3-7842-906F-B81F8993C7B2}" type="datetimeFigureOut">
               <a:rPr lang="en-US" smtClean="0"/>
-              <a:t>1/8/20</a:t>
+              <a:t>1/9/20</a:t>
             </a:fld>
             <a:endParaRPr lang="en-US"/>
           </a:p>
@@ -1816,7 +1822,7 @@
           <a:p>
             <a:fld id="{F10A4FB2-CBF3-7842-906F-B81F8993C7B2}" type="datetimeFigureOut">
               <a:rPr lang="en-US" smtClean="0"/>
-              <a:t>1/8/20</a:t>
+              <a:t>1/9/20</a:t>
             </a:fld>
             <a:endParaRPr lang="en-US"/>
           </a:p>
@@ -1957,7 +1963,7 @@
           <a:p>
             <a:fld id="{F10A4FB2-CBF3-7842-906F-B81F8993C7B2}" type="datetimeFigureOut">
               <a:rPr lang="en-US" smtClean="0"/>
-              <a:t>1/8/20</a:t>
+              <a:t>1/9/20</a:t>
             </a:fld>
             <a:endParaRPr lang="en-US"/>
           </a:p>
@@ -2070,7 +2076,7 @@
           <a:p>
             <a:fld id="{F10A4FB2-CBF3-7842-906F-B81F8993C7B2}" type="datetimeFigureOut">
               <a:rPr lang="en-US" smtClean="0"/>
-              <a:t>1/8/20</a:t>
+              <a:t>1/9/20</a:t>
             </a:fld>
             <a:endParaRPr lang="en-US"/>
           </a:p>
@@ -2381,7 +2387,7 @@
           <a:p>
             <a:fld id="{F10A4FB2-CBF3-7842-906F-B81F8993C7B2}" type="datetimeFigureOut">
               <a:rPr lang="en-US" smtClean="0"/>
-              <a:t>1/8/20</a:t>
+              <a:t>1/9/20</a:t>
             </a:fld>
             <a:endParaRPr lang="en-US"/>
           </a:p>
@@ -2669,7 +2675,7 @@
           <a:p>
             <a:fld id="{F10A4FB2-CBF3-7842-906F-B81F8993C7B2}" type="datetimeFigureOut">
               <a:rPr lang="en-US" smtClean="0"/>
-              <a:t>1/8/20</a:t>
+              <a:t>1/9/20</a:t>
             </a:fld>
             <a:endParaRPr lang="en-US"/>
           </a:p>
@@ -2910,7 +2916,7 @@
           <a:p>
             <a:fld id="{F10A4FB2-CBF3-7842-906F-B81F8993C7B2}" type="datetimeFigureOut">
               <a:rPr lang="en-US" smtClean="0"/>
-              <a:t>1/8/20</a:t>
+              <a:t>1/9/20</a:t>
             </a:fld>
             <a:endParaRPr lang="en-US"/>
           </a:p>
@@ -5296,6 +5302,157 @@
 </p:sld>
 </file>
 
+<file path=ppt/slides/slide8.xml><?xml version="1.0" encoding="utf-8"?>
+<p:sld xmlns:a="http://schemas.openxmlformats.org/drawingml/2006/main" xmlns:r="http://schemas.openxmlformats.org/officeDocument/2006/relationships" xmlns:p="http://schemas.openxmlformats.org/presentationml/2006/main">
+  <p:cSld>
+    <p:spTree>
+      <p:nvGrpSpPr>
+        <p:cNvPr id="1" name=""/>
+        <p:cNvGrpSpPr/>
+        <p:nvPr/>
+      </p:nvGrpSpPr>
+      <p:grpSpPr>
+        <a:xfrm>
+          <a:off x="0" y="0"/>
+          <a:ext cx="0" cy="0"/>
+          <a:chOff x="0" y="0"/>
+          <a:chExt cx="0" cy="0"/>
+        </a:xfrm>
+      </p:grpSpPr>
+      <p:sp>
+        <p:nvSpPr>
+          <p:cNvPr id="2" name="TextBox 1">
+            <a:extLst>
+              <a:ext uri="{FF2B5EF4-FFF2-40B4-BE49-F238E27FC236}">
+                <a16:creationId xmlns:a16="http://schemas.microsoft.com/office/drawing/2014/main" id="{12F62839-A769-AB4D-9FA5-AE1A3247E6CF}"/>
+              </a:ext>
+            </a:extLst>
+          </p:cNvPr>
+          <p:cNvSpPr txBox="1"/>
+          <p:nvPr/>
+        </p:nvSpPr>
+        <p:spPr>
+          <a:xfrm>
+            <a:off x="191386" y="159488"/>
+            <a:ext cx="1687578" cy="523220"/>
+          </a:xfrm>
+          <a:prstGeom prst="rect">
+            <a:avLst/>
+          </a:prstGeom>
+          <a:noFill/>
+        </p:spPr>
+        <p:txBody>
+          <a:bodyPr wrap="none" rtlCol="0">
+            <a:spAutoFit/>
+          </a:bodyPr>
+          <a:lstStyle/>
+          <a:p>
+            <a:r>
+              <a:rPr lang="en-US" sz="2800" b="1" dirty="0">
+                <a:solidFill>
+                  <a:schemeClr val="accent1">
+                    <a:lumMod val="75000"/>
+                  </a:schemeClr>
+                </a:solidFill>
+              </a:rPr>
+              <a:t>Resources</a:t>
+            </a:r>
+          </a:p>
+        </p:txBody>
+      </p:sp>
+      <p:sp>
+        <p:nvSpPr>
+          <p:cNvPr id="4" name="TextBox 3">
+            <a:extLst>
+              <a:ext uri="{FF2B5EF4-FFF2-40B4-BE49-F238E27FC236}">
+                <a16:creationId xmlns:a16="http://schemas.microsoft.com/office/drawing/2014/main" id="{7F9E206A-D2F3-D74E-8522-D03EFA0DDE39}"/>
+              </a:ext>
+            </a:extLst>
+          </p:cNvPr>
+          <p:cNvSpPr txBox="1"/>
+          <p:nvPr/>
+        </p:nvSpPr>
+        <p:spPr>
+          <a:xfrm>
+            <a:off x="291830" y="846306"/>
+            <a:ext cx="10671242" cy="923330"/>
+          </a:xfrm>
+          <a:prstGeom prst="rect">
+            <a:avLst/>
+          </a:prstGeom>
+          <a:noFill/>
+        </p:spPr>
+        <p:txBody>
+          <a:bodyPr wrap="square" rtlCol="0">
+            <a:spAutoFit/>
+          </a:bodyPr>
+          <a:lstStyle/>
+          <a:p>
+            <a:pPr marL="285750" indent="-285750">
+              <a:buFont typeface="Arial" panose="020B0604020202020204" pitchFamily="34" charset="0"/>
+              <a:buChar char="•"/>
+            </a:pPr>
+            <a:r>
+              <a:rPr lang="en-US" dirty="0"/>
+              <a:t>Basic python: </a:t>
+            </a:r>
+            <a:r>
+              <a:rPr lang="en-US" dirty="0">
+                <a:hlinkClick r:id="rId2"/>
+              </a:rPr>
+              <a:t>https://www.w3schools.com/python</a:t>
+            </a:r>
+            <a:endParaRPr lang="en-US" dirty="0"/>
+          </a:p>
+          <a:p>
+            <a:pPr marL="285750" indent="-285750">
+              <a:buFont typeface="Arial" panose="020B0604020202020204" pitchFamily="34" charset="0"/>
+              <a:buChar char="•"/>
+            </a:pPr>
+            <a:endParaRPr lang="en-US" dirty="0"/>
+          </a:p>
+          <a:p>
+            <a:pPr marL="285750" indent="-285750">
+              <a:buFont typeface="Arial" panose="020B0604020202020204" pitchFamily="34" charset="0"/>
+              <a:buChar char="•"/>
+            </a:pPr>
+            <a:r>
+              <a:rPr lang="en-US" dirty="0" err="1"/>
+              <a:t>Numpy</a:t>
+            </a:r>
+            <a:r>
+              <a:rPr lang="en-US" dirty="0"/>
+              <a:t> arrays: </a:t>
+            </a:r>
+            <a:r>
+              <a:rPr lang="en-US" dirty="0">
+                <a:hlinkClick r:id="rId3"/>
+              </a:rPr>
+              <a:t>https://docs.scipy.org/doc/numpy/reference/generated/</a:t>
+            </a:r>
+            <a:r>
+              <a:rPr lang="en-US">
+                <a:hlinkClick r:id="rId3"/>
+              </a:rPr>
+              <a:t>numpy.array.html</a:t>
+            </a:r>
+            <a:endParaRPr lang="en-US" dirty="0"/>
+          </a:p>
+        </p:txBody>
+      </p:sp>
+    </p:spTree>
+    <p:extLst>
+      <p:ext uri="{BB962C8B-B14F-4D97-AF65-F5344CB8AC3E}">
+        <p14:creationId xmlns:p14="http://schemas.microsoft.com/office/powerpoint/2010/main" val="4052721516"/>
+      </p:ext>
+    </p:extLst>
+  </p:cSld>
+  <p:clrMapOvr>
+    <a:masterClrMapping/>
+  </p:clrMapOvr>
+</p:sld>
+</file>
+
 <file path=ppt/theme/theme1.xml><?xml version="1.0" encoding="utf-8"?>
 <a:theme xmlns:a="http://schemas.openxmlformats.org/drawingml/2006/main" name="Office Theme">
   <a:themeElements>
